--- a/Slides/04：語言模型的演進/10：預訓練語言模型.pptx
+++ b/Slides/04：語言模型的演進/10：預訓練語言模型.pptx
@@ -204,7 +204,7 @@
           <a:p>
             <a:fld id="{2524ECE5-DE08-48EC-BD40-A1B6B5143474}" type="datetimeFigureOut">
               <a:rPr lang="zh-TW" altLang="en-US" smtClean="0"/>
-              <a:t>2024/3/14</a:t>
+              <a:t>2024/5/6</a:t>
             </a:fld>
             <a:endParaRPr lang="zh-TW" altLang="en-US"/>
           </a:p>
@@ -1665,7 +1665,7 @@
           <a:p>
             <a:fld id="{21D64ABE-4A5E-49EE-B795-C697810A2BA7}" type="datetimeFigureOut">
               <a:rPr lang="zh-TW" altLang="en-US" smtClean="0"/>
-              <a:t>2024/3/14</a:t>
+              <a:t>2024/5/6</a:t>
             </a:fld>
             <a:endParaRPr lang="zh-TW" altLang="en-US"/>
           </a:p>
@@ -1863,7 +1863,7 @@
           <a:p>
             <a:fld id="{21D64ABE-4A5E-49EE-B795-C697810A2BA7}" type="datetimeFigureOut">
               <a:rPr lang="zh-TW" altLang="en-US" smtClean="0"/>
-              <a:t>2024/3/14</a:t>
+              <a:t>2024/5/6</a:t>
             </a:fld>
             <a:endParaRPr lang="zh-TW" altLang="en-US"/>
           </a:p>
@@ -2071,7 +2071,7 @@
           <a:p>
             <a:fld id="{21D64ABE-4A5E-49EE-B795-C697810A2BA7}" type="datetimeFigureOut">
               <a:rPr lang="zh-TW" altLang="en-US" smtClean="0"/>
-              <a:t>2024/3/14</a:t>
+              <a:t>2024/5/6</a:t>
             </a:fld>
             <a:endParaRPr lang="zh-TW" altLang="en-US"/>
           </a:p>
@@ -2452,7 +2452,7 @@
                 </a:solidFill>
               </a:rPr>
               <a:pPr/>
-              <a:t>3/14/2024</a:t>
+              <a:t>5/6/2024</a:t>
             </a:fld>
             <a:endParaRPr kumimoji="0" lang="en-US" dirty="0"/>
           </a:p>
@@ -2683,7 +2683,7 @@
                 </a:solidFill>
               </a:rPr>
               <a:pPr/>
-              <a:t>3/14/2024</a:t>
+              <a:t>5/6/2024</a:t>
             </a:fld>
             <a:endParaRPr kumimoji="0" lang="en-US" dirty="0"/>
           </a:p>
@@ -2916,7 +2916,7 @@
                 </a:solidFill>
               </a:rPr>
               <a:pPr/>
-              <a:t>3/14/2024</a:t>
+              <a:t>5/6/2024</a:t>
             </a:fld>
             <a:endParaRPr kumimoji="0" lang="en-US" dirty="0"/>
           </a:p>
@@ -3398,7 +3398,7 @@
                 </a:solidFill>
               </a:rPr>
               <a:pPr/>
-              <a:t>3/14/2024</a:t>
+              <a:t>5/6/2024</a:t>
             </a:fld>
             <a:endParaRPr kumimoji="0" lang="en-US" dirty="0"/>
           </a:p>
@@ -3755,7 +3755,7 @@
                 </a:solidFill>
               </a:rPr>
               <a:pPr/>
-              <a:t>3/14/2024</a:t>
+              <a:t>5/6/2024</a:t>
             </a:fld>
             <a:endParaRPr kumimoji="0" lang="en-US" dirty="0"/>
           </a:p>
@@ -4118,7 +4118,7 @@
                 </a:solidFill>
               </a:rPr>
               <a:pPr/>
-              <a:t>3/14/2024</a:t>
+              <a:t>5/6/2024</a:t>
             </a:fld>
             <a:endParaRPr kumimoji="0" lang="en-US" dirty="0"/>
           </a:p>
@@ -4428,7 +4428,7 @@
                 </a:solidFill>
               </a:rPr>
               <a:pPr/>
-              <a:t>3/14/2024</a:t>
+              <a:t>5/6/2024</a:t>
             </a:fld>
             <a:endParaRPr kumimoji="0" lang="en-US" dirty="0"/>
           </a:p>
@@ -4623,7 +4623,7 @@
           <a:p>
             <a:fld id="{21D64ABE-4A5E-49EE-B795-C697810A2BA7}" type="datetimeFigureOut">
               <a:rPr lang="zh-TW" altLang="en-US" smtClean="0"/>
-              <a:t>2024/3/14</a:t>
+              <a:t>2024/5/6</a:t>
             </a:fld>
             <a:endParaRPr lang="zh-TW" altLang="en-US"/>
           </a:p>
@@ -5107,7 +5107,7 @@
                 </a:solidFill>
               </a:rPr>
               <a:pPr/>
-              <a:t>3/14/2024</a:t>
+              <a:t>5/6/2024</a:t>
             </a:fld>
             <a:endParaRPr kumimoji="0" lang="en-US" dirty="0"/>
           </a:p>
@@ -5503,7 +5503,7 @@
                 </a:solidFill>
               </a:rPr>
               <a:pPr/>
-              <a:t>3/14/2024</a:t>
+              <a:t>5/6/2024</a:t>
             </a:fld>
             <a:endParaRPr kumimoji="0" lang="en-US" dirty="0"/>
           </a:p>
@@ -5843,7 +5843,7 @@
                 </a:solidFill>
               </a:rPr>
               <a:pPr/>
-              <a:t>3/14/2024</a:t>
+              <a:t>5/6/2024</a:t>
             </a:fld>
             <a:endParaRPr kumimoji="0" lang="en-US" dirty="0"/>
           </a:p>
@@ -6424,7 +6424,7 @@
                 </a:solidFill>
               </a:rPr>
               <a:pPr/>
-              <a:t>3/14/2024</a:t>
+              <a:t>5/6/2024</a:t>
             </a:fld>
             <a:endParaRPr kumimoji="0" lang="en-US" dirty="0"/>
           </a:p>
@@ -6993,7 +6993,7 @@
                 </a:solidFill>
               </a:rPr>
               <a:pPr/>
-              <a:t>3/14/2024</a:t>
+              <a:t>5/6/2024</a:t>
             </a:fld>
             <a:endParaRPr kumimoji="0" lang="en-US" dirty="0"/>
           </a:p>
@@ -7457,7 +7457,7 @@
                 </a:solidFill>
               </a:rPr>
               <a:pPr/>
-              <a:t>3/14/2024</a:t>
+              <a:t>5/6/2024</a:t>
             </a:fld>
             <a:endParaRPr kumimoji="0" lang="en-US" dirty="0"/>
           </a:p>
@@ -7886,7 +7886,7 @@
                 </a:solidFill>
               </a:rPr>
               <a:pPr/>
-              <a:t>3/14/2024</a:t>
+              <a:t>5/6/2024</a:t>
             </a:fld>
             <a:endParaRPr kumimoji="0" lang="en-US" dirty="0"/>
           </a:p>
@@ -8395,7 +8395,7 @@
                 </a:solidFill>
               </a:rPr>
               <a:pPr/>
-              <a:t>3/14/2024</a:t>
+              <a:t>5/6/2024</a:t>
             </a:fld>
             <a:endParaRPr kumimoji="0" lang="en-US" dirty="0"/>
           </a:p>
@@ -8904,7 +8904,7 @@
                 </a:solidFill>
               </a:rPr>
               <a:pPr/>
-              <a:t>3/14/2024</a:t>
+              <a:t>5/6/2024</a:t>
             </a:fld>
             <a:endParaRPr kumimoji="0" lang="en-US" dirty="0"/>
           </a:p>
@@ -9125,7 +9125,7 @@
                 </a:solidFill>
               </a:rPr>
               <a:pPr/>
-              <a:t>3/14/2024</a:t>
+              <a:t>5/6/2024</a:t>
             </a:fld>
             <a:endParaRPr kumimoji="0" lang="en-US" dirty="0"/>
           </a:p>
@@ -9397,7 +9397,7 @@
           <a:p>
             <a:fld id="{21D64ABE-4A5E-49EE-B795-C697810A2BA7}" type="datetimeFigureOut">
               <a:rPr lang="zh-TW" altLang="en-US" smtClean="0"/>
-              <a:t>2024/3/14</a:t>
+              <a:t>2024/5/6</a:t>
             </a:fld>
             <a:endParaRPr lang="zh-TW" altLang="en-US"/>
           </a:p>
@@ -9733,7 +9733,7 @@
                 </a:solidFill>
               </a:rPr>
               <a:pPr/>
-              <a:t>3/14/2024</a:t>
+              <a:t>5/6/2024</a:t>
             </a:fld>
             <a:endParaRPr kumimoji="0" lang="en-US" dirty="0"/>
           </a:p>
@@ -9957,7 +9957,7 @@
                 </a:solidFill>
               </a:rPr>
               <a:pPr/>
-              <a:t>3/14/2024</a:t>
+              <a:t>5/6/2024</a:t>
             </a:fld>
             <a:endParaRPr kumimoji="0" lang="en-US" dirty="0"/>
           </a:p>
@@ -10138,7 +10138,7 @@
             <a:fld id="{ACB2EC6F-6501-4E04-BD6C-A8A6CABB2C5B}" type="datetimeFigureOut">
               <a:rPr kumimoji="0" lang="en-US" smtClean="0"/>
               <a:pPr/>
-              <a:t>3/14/2024</a:t>
+              <a:t>5/6/2024</a:t>
             </a:fld>
             <a:endParaRPr kumimoji="0" lang="en-US" dirty="0"/>
           </a:p>
@@ -10422,7 +10422,7 @@
           <a:p>
             <a:fld id="{21D64ABE-4A5E-49EE-B795-C697810A2BA7}" type="datetimeFigureOut">
               <a:rPr lang="zh-TW" altLang="en-US" smtClean="0"/>
-              <a:t>2024/3/14</a:t>
+              <a:t>2024/5/6</a:t>
             </a:fld>
             <a:endParaRPr lang="zh-TW" altLang="en-US"/>
           </a:p>
@@ -10834,7 +10834,7 @@
           <a:p>
             <a:fld id="{21D64ABE-4A5E-49EE-B795-C697810A2BA7}" type="datetimeFigureOut">
               <a:rPr lang="zh-TW" altLang="en-US" smtClean="0"/>
-              <a:t>2024/3/14</a:t>
+              <a:t>2024/5/6</a:t>
             </a:fld>
             <a:endParaRPr lang="zh-TW" altLang="en-US"/>
           </a:p>
@@ -10975,7 +10975,7 @@
           <a:p>
             <a:fld id="{21D64ABE-4A5E-49EE-B795-C697810A2BA7}" type="datetimeFigureOut">
               <a:rPr lang="zh-TW" altLang="en-US" smtClean="0"/>
-              <a:t>2024/3/14</a:t>
+              <a:t>2024/5/6</a:t>
             </a:fld>
             <a:endParaRPr lang="zh-TW" altLang="en-US"/>
           </a:p>
@@ -11088,7 +11088,7 @@
           <a:p>
             <a:fld id="{21D64ABE-4A5E-49EE-B795-C697810A2BA7}" type="datetimeFigureOut">
               <a:rPr lang="zh-TW" altLang="en-US" smtClean="0"/>
-              <a:t>2024/3/14</a:t>
+              <a:t>2024/5/6</a:t>
             </a:fld>
             <a:endParaRPr lang="zh-TW" altLang="en-US"/>
           </a:p>
@@ -11399,7 +11399,7 @@
           <a:p>
             <a:fld id="{21D64ABE-4A5E-49EE-B795-C697810A2BA7}" type="datetimeFigureOut">
               <a:rPr lang="zh-TW" altLang="en-US" smtClean="0"/>
-              <a:t>2024/3/14</a:t>
+              <a:t>2024/5/6</a:t>
             </a:fld>
             <a:endParaRPr lang="zh-TW" altLang="en-US"/>
           </a:p>
@@ -11687,7 +11687,7 @@
           <a:p>
             <a:fld id="{21D64ABE-4A5E-49EE-B795-C697810A2BA7}" type="datetimeFigureOut">
               <a:rPr lang="zh-TW" altLang="en-US" smtClean="0"/>
-              <a:t>2024/3/14</a:t>
+              <a:t>2024/5/6</a:t>
             </a:fld>
             <a:endParaRPr lang="zh-TW" altLang="en-US"/>
           </a:p>
@@ -11928,7 +11928,7 @@
           <a:p>
             <a:fld id="{21D64ABE-4A5E-49EE-B795-C697810A2BA7}" type="datetimeFigureOut">
               <a:rPr lang="zh-TW" altLang="en-US" smtClean="0"/>
-              <a:t>2024/3/14</a:t>
+              <a:t>2024/5/6</a:t>
             </a:fld>
             <a:endParaRPr lang="zh-TW" altLang="en-US"/>
           </a:p>
@@ -12500,7 +12500,7 @@
                 </a:solidFill>
               </a:rPr>
               <a:pPr/>
-              <a:t>3/14/2024</a:t>
+              <a:t>5/6/2024</a:t>
             </a:fld>
             <a:endParaRPr kumimoji="0" lang="en-US" sz="1200" dirty="0">
               <a:solidFill>
@@ -13046,7 +13046,7 @@
                 <a:ea typeface="新細明體" panose="02020500000000000000" pitchFamily="18" charset="-120"/>
               </a:rPr>
               <a:pPr/>
-              <a:t>3/14/2024</a:t>
+              <a:t>5/6/2024</a:t>
             </a:fld>
             <a:endParaRPr lang="en-US" dirty="0">
               <a:solidFill>
@@ -13225,7 +13225,7 @@
                 <a:cs typeface="Arial" panose="020B0604020202020204" pitchFamily="34" charset="0"/>
               </a:rPr>
               <a:pPr/>
-              <a:t>3/14/2024</a:t>
+              <a:t>5/6/2024</a:t>
             </a:fld>
             <a:endParaRPr lang="en-US" dirty="0">
               <a:solidFill>
@@ -13699,7 +13699,7 @@
                 <a:cs typeface="Arial" panose="020B0604020202020204" pitchFamily="34" charset="0"/>
               </a:rPr>
               <a:pPr/>
-              <a:t>3/14/2024</a:t>
+              <a:t>5/6/2024</a:t>
             </a:fld>
             <a:endParaRPr lang="en-US" dirty="0">
               <a:solidFill>
@@ -14133,7 +14133,7 @@
                 <a:cs typeface="Arial" panose="020B0604020202020204" pitchFamily="34" charset="0"/>
               </a:rPr>
               <a:pPr/>
-              <a:t>3/14/2024</a:t>
+              <a:t>5/6/2024</a:t>
             </a:fld>
             <a:endParaRPr lang="en-US" dirty="0">
               <a:solidFill>
@@ -14584,7 +14584,7 @@
                 <a:cs typeface="Arial" panose="020B0604020202020204" pitchFamily="34" charset="0"/>
               </a:rPr>
               <a:pPr/>
-              <a:t>3/14/2024</a:t>
+              <a:t>5/6/2024</a:t>
             </a:fld>
             <a:endParaRPr lang="en-US" dirty="0">
               <a:solidFill>
@@ -14890,7 +14890,7 @@
                 <a:cs typeface="Arial" panose="020B0604020202020204" pitchFamily="34" charset="0"/>
               </a:rPr>
               <a:pPr/>
-              <a:t>3/14/2024</a:t>
+              <a:t>5/6/2024</a:t>
             </a:fld>
             <a:endParaRPr lang="en-US" dirty="0">
               <a:solidFill>
@@ -15485,7 +15485,7 @@
                 <a:cs typeface="Arial" panose="020B0604020202020204" pitchFamily="34" charset="0"/>
               </a:rPr>
               <a:pPr/>
-              <a:t>3/14/2024</a:t>
+              <a:t>5/6/2024</a:t>
             </a:fld>
             <a:endParaRPr lang="en-US" dirty="0">
               <a:solidFill>
